--- a/ppt 16-9/1456.平安的日子.pptx
+++ b/ppt 16-9/1456.平安的日子.pptx
@@ -129,7 +129,7 @@
           <p:cNvPr id="2" name="标题 1">
             <a:extLst>
               <a:ext uri="{FF2B5EF4-FFF2-40B4-BE49-F238E27FC236}">
-                <a16:creationId xmlns:a16="http://schemas.microsoft.com/office/drawing/2014/main" id="{9B0A502A-F567-896B-1714-0E9BDC631403}"/>
+                <a16:creationId xmlns:a16="http://schemas.microsoft.com/office/drawing/2014/main" id="{235BDB8A-A614-F74B-367E-3C1554207D2A}"/>
               </a:ext>
             </a:extLst>
           </p:cNvPr>
@@ -166,7 +166,7 @@
           <p:cNvPr id="3" name="副标题 2">
             <a:extLst>
               <a:ext uri="{FF2B5EF4-FFF2-40B4-BE49-F238E27FC236}">
-                <a16:creationId xmlns:a16="http://schemas.microsoft.com/office/drawing/2014/main" id="{990EFCA3-89F9-4370-6292-8C67AB909837}"/>
+                <a16:creationId xmlns:a16="http://schemas.microsoft.com/office/drawing/2014/main" id="{204F3BFB-B7AB-0B72-E9CB-F655469CF3EA}"/>
               </a:ext>
             </a:extLst>
           </p:cNvPr>
@@ -236,7 +236,7 @@
           <p:cNvPr id="4" name="日期占位符 3">
             <a:extLst>
               <a:ext uri="{FF2B5EF4-FFF2-40B4-BE49-F238E27FC236}">
-                <a16:creationId xmlns:a16="http://schemas.microsoft.com/office/drawing/2014/main" id="{5D554235-E86B-FA06-3D7D-98598F89F73D}"/>
+                <a16:creationId xmlns:a16="http://schemas.microsoft.com/office/drawing/2014/main" id="{D0692558-2A2D-A17A-5758-4513641AA0AD}"/>
               </a:ext>
             </a:extLst>
           </p:cNvPr>
@@ -252,7 +252,7 @@
           <a:bodyPr/>
           <a:lstStyle/>
           <a:p>
-            <a:fld id="{ACDE3FD9-E2AA-4D27-9464-A728B68A370F}" type="datetimeFigureOut">
+            <a:fld id="{C48009A3-C1DD-4FAB-A809-8A9E0BF1D9FF}" type="datetimeFigureOut">
               <a:rPr lang="zh-CN" altLang="en-US" smtClean="0"/>
               <a:t>2024/3/10</a:t>
             </a:fld>
@@ -265,7 +265,7 @@
           <p:cNvPr id="5" name="页脚占位符 4">
             <a:extLst>
               <a:ext uri="{FF2B5EF4-FFF2-40B4-BE49-F238E27FC236}">
-                <a16:creationId xmlns:a16="http://schemas.microsoft.com/office/drawing/2014/main" id="{56051C30-5930-AED3-C6E0-5496B9C0D93F}"/>
+                <a16:creationId xmlns:a16="http://schemas.microsoft.com/office/drawing/2014/main" id="{D63989F8-71FB-6FBB-0B2D-ACA37D84E29C}"/>
               </a:ext>
             </a:extLst>
           </p:cNvPr>
@@ -290,7 +290,7 @@
           <p:cNvPr id="6" name="灯片编号占位符 5">
             <a:extLst>
               <a:ext uri="{FF2B5EF4-FFF2-40B4-BE49-F238E27FC236}">
-                <a16:creationId xmlns:a16="http://schemas.microsoft.com/office/drawing/2014/main" id="{843CA62D-3C36-5532-AA07-AC97444BD322}"/>
+                <a16:creationId xmlns:a16="http://schemas.microsoft.com/office/drawing/2014/main" id="{FD6455FC-C434-5638-1337-6D3B3E34C637}"/>
               </a:ext>
             </a:extLst>
           </p:cNvPr>
@@ -306,7 +306,7 @@
           <a:bodyPr/>
           <a:lstStyle/>
           <a:p>
-            <a:fld id="{7C270AD8-24A9-4254-8E04-F01FD463B97E}" type="slidenum">
+            <a:fld id="{83371C9C-61B6-453E-A938-4CC0CC437C6E}" type="slidenum">
               <a:rPr lang="zh-CN" altLang="en-US" smtClean="0"/>
               <a:t>‹#›</a:t>
             </a:fld>
@@ -317,7 +317,7 @@
     </p:spTree>
     <p:extLst>
       <p:ext uri="{BB962C8B-B14F-4D97-AF65-F5344CB8AC3E}">
-        <p14:creationId xmlns:p14="http://schemas.microsoft.com/office/powerpoint/2010/main" val="2131818132"/>
+        <p14:creationId xmlns:p14="http://schemas.microsoft.com/office/powerpoint/2010/main" val="1196815682"/>
       </p:ext>
     </p:extLst>
   </p:cSld>
@@ -349,7 +349,7 @@
           <p:cNvPr id="2" name="标题 1">
             <a:extLst>
               <a:ext uri="{FF2B5EF4-FFF2-40B4-BE49-F238E27FC236}">
-                <a16:creationId xmlns:a16="http://schemas.microsoft.com/office/drawing/2014/main" id="{A2695FD3-3E65-68D9-17D4-4BD2CA8DCE1A}"/>
+                <a16:creationId xmlns:a16="http://schemas.microsoft.com/office/drawing/2014/main" id="{9395DC5D-07DE-C3CC-AC9C-C64350EFB3DB}"/>
               </a:ext>
             </a:extLst>
           </p:cNvPr>
@@ -377,7 +377,7 @@
           <p:cNvPr id="3" name="竖排文字占位符 2">
             <a:extLst>
               <a:ext uri="{FF2B5EF4-FFF2-40B4-BE49-F238E27FC236}">
-                <a16:creationId xmlns:a16="http://schemas.microsoft.com/office/drawing/2014/main" id="{6B56065A-12C9-DF2F-D681-4400CD6F7A35}"/>
+                <a16:creationId xmlns:a16="http://schemas.microsoft.com/office/drawing/2014/main" id="{7A3A429E-9344-2A6C-868B-297D4C5A8B47}"/>
               </a:ext>
             </a:extLst>
           </p:cNvPr>
@@ -434,7 +434,7 @@
           <p:cNvPr id="4" name="日期占位符 3">
             <a:extLst>
               <a:ext uri="{FF2B5EF4-FFF2-40B4-BE49-F238E27FC236}">
-                <a16:creationId xmlns:a16="http://schemas.microsoft.com/office/drawing/2014/main" id="{CF5FC875-123D-959F-306E-8DE685780B6E}"/>
+                <a16:creationId xmlns:a16="http://schemas.microsoft.com/office/drawing/2014/main" id="{42F5B694-0E32-4898-8B7C-F6E82A7163DF}"/>
               </a:ext>
             </a:extLst>
           </p:cNvPr>
@@ -450,7 +450,7 @@
           <a:bodyPr/>
           <a:lstStyle/>
           <a:p>
-            <a:fld id="{ACDE3FD9-E2AA-4D27-9464-A728B68A370F}" type="datetimeFigureOut">
+            <a:fld id="{C48009A3-C1DD-4FAB-A809-8A9E0BF1D9FF}" type="datetimeFigureOut">
               <a:rPr lang="zh-CN" altLang="en-US" smtClean="0"/>
               <a:t>2024/3/10</a:t>
             </a:fld>
@@ -463,7 +463,7 @@
           <p:cNvPr id="5" name="页脚占位符 4">
             <a:extLst>
               <a:ext uri="{FF2B5EF4-FFF2-40B4-BE49-F238E27FC236}">
-                <a16:creationId xmlns:a16="http://schemas.microsoft.com/office/drawing/2014/main" id="{97C63A60-C2B2-C723-CD58-30EE12570533}"/>
+                <a16:creationId xmlns:a16="http://schemas.microsoft.com/office/drawing/2014/main" id="{5FCA3E36-BA3D-07E1-1DFF-022D5B81D6E0}"/>
               </a:ext>
             </a:extLst>
           </p:cNvPr>
@@ -488,7 +488,7 @@
           <p:cNvPr id="6" name="灯片编号占位符 5">
             <a:extLst>
               <a:ext uri="{FF2B5EF4-FFF2-40B4-BE49-F238E27FC236}">
-                <a16:creationId xmlns:a16="http://schemas.microsoft.com/office/drawing/2014/main" id="{3C14A360-4743-2DE3-BC1D-E3920834C063}"/>
+                <a16:creationId xmlns:a16="http://schemas.microsoft.com/office/drawing/2014/main" id="{57DBC927-9326-7141-AFC0-24ED0F3ACAD8}"/>
               </a:ext>
             </a:extLst>
           </p:cNvPr>
@@ -504,7 +504,7 @@
           <a:bodyPr/>
           <a:lstStyle/>
           <a:p>
-            <a:fld id="{7C270AD8-24A9-4254-8E04-F01FD463B97E}" type="slidenum">
+            <a:fld id="{83371C9C-61B6-453E-A938-4CC0CC437C6E}" type="slidenum">
               <a:rPr lang="zh-CN" altLang="en-US" smtClean="0"/>
               <a:t>‹#›</a:t>
             </a:fld>
@@ -515,7 +515,7 @@
     </p:spTree>
     <p:extLst>
       <p:ext uri="{BB962C8B-B14F-4D97-AF65-F5344CB8AC3E}">
-        <p14:creationId xmlns:p14="http://schemas.microsoft.com/office/powerpoint/2010/main" val="3220008072"/>
+        <p14:creationId xmlns:p14="http://schemas.microsoft.com/office/powerpoint/2010/main" val="2774638297"/>
       </p:ext>
     </p:extLst>
   </p:cSld>
@@ -547,7 +547,7 @@
           <p:cNvPr id="2" name="竖排标题 1">
             <a:extLst>
               <a:ext uri="{FF2B5EF4-FFF2-40B4-BE49-F238E27FC236}">
-                <a16:creationId xmlns:a16="http://schemas.microsoft.com/office/drawing/2014/main" id="{1A48BBED-DC14-82CC-2AFA-452ECB1EDAC2}"/>
+                <a16:creationId xmlns:a16="http://schemas.microsoft.com/office/drawing/2014/main" id="{AEFAEC92-679B-03F3-F91F-00288BA7B00F}"/>
               </a:ext>
             </a:extLst>
           </p:cNvPr>
@@ -580,7 +580,7 @@
           <p:cNvPr id="3" name="竖排文字占位符 2">
             <a:extLst>
               <a:ext uri="{FF2B5EF4-FFF2-40B4-BE49-F238E27FC236}">
-                <a16:creationId xmlns:a16="http://schemas.microsoft.com/office/drawing/2014/main" id="{6694F62B-5511-E16C-483F-585F7A9DBCFB}"/>
+                <a16:creationId xmlns:a16="http://schemas.microsoft.com/office/drawing/2014/main" id="{8F0E7666-D4FF-CC46-8FCC-B3CB26E91308}"/>
               </a:ext>
             </a:extLst>
           </p:cNvPr>
@@ -642,7 +642,7 @@
           <p:cNvPr id="4" name="日期占位符 3">
             <a:extLst>
               <a:ext uri="{FF2B5EF4-FFF2-40B4-BE49-F238E27FC236}">
-                <a16:creationId xmlns:a16="http://schemas.microsoft.com/office/drawing/2014/main" id="{3DA70C7A-108B-5E1B-56E9-52CA3B798F3A}"/>
+                <a16:creationId xmlns:a16="http://schemas.microsoft.com/office/drawing/2014/main" id="{E02A03E0-A369-8BFC-3C7A-71C88F8F2766}"/>
               </a:ext>
             </a:extLst>
           </p:cNvPr>
@@ -658,7 +658,7 @@
           <a:bodyPr/>
           <a:lstStyle/>
           <a:p>
-            <a:fld id="{ACDE3FD9-E2AA-4D27-9464-A728B68A370F}" type="datetimeFigureOut">
+            <a:fld id="{C48009A3-C1DD-4FAB-A809-8A9E0BF1D9FF}" type="datetimeFigureOut">
               <a:rPr lang="zh-CN" altLang="en-US" smtClean="0"/>
               <a:t>2024/3/10</a:t>
             </a:fld>
@@ -671,7 +671,7 @@
           <p:cNvPr id="5" name="页脚占位符 4">
             <a:extLst>
               <a:ext uri="{FF2B5EF4-FFF2-40B4-BE49-F238E27FC236}">
-                <a16:creationId xmlns:a16="http://schemas.microsoft.com/office/drawing/2014/main" id="{67A25778-182E-2323-0BA1-064608E49885}"/>
+                <a16:creationId xmlns:a16="http://schemas.microsoft.com/office/drawing/2014/main" id="{73DFC48D-0FF0-74CB-32AC-0C634C20CACE}"/>
               </a:ext>
             </a:extLst>
           </p:cNvPr>
@@ -696,7 +696,7 @@
           <p:cNvPr id="6" name="灯片编号占位符 5">
             <a:extLst>
               <a:ext uri="{FF2B5EF4-FFF2-40B4-BE49-F238E27FC236}">
-                <a16:creationId xmlns:a16="http://schemas.microsoft.com/office/drawing/2014/main" id="{13C3FD40-92F4-6462-8956-EB0BDEDDBC8D}"/>
+                <a16:creationId xmlns:a16="http://schemas.microsoft.com/office/drawing/2014/main" id="{F0E08561-E0AA-9924-DB38-5E4750E03A1D}"/>
               </a:ext>
             </a:extLst>
           </p:cNvPr>
@@ -712,7 +712,7 @@
           <a:bodyPr/>
           <a:lstStyle/>
           <a:p>
-            <a:fld id="{7C270AD8-24A9-4254-8E04-F01FD463B97E}" type="slidenum">
+            <a:fld id="{83371C9C-61B6-453E-A938-4CC0CC437C6E}" type="slidenum">
               <a:rPr lang="zh-CN" altLang="en-US" smtClean="0"/>
               <a:t>‹#›</a:t>
             </a:fld>
@@ -723,7 +723,7 @@
     </p:spTree>
     <p:extLst>
       <p:ext uri="{BB962C8B-B14F-4D97-AF65-F5344CB8AC3E}">
-        <p14:creationId xmlns:p14="http://schemas.microsoft.com/office/powerpoint/2010/main" val="2576994281"/>
+        <p14:creationId xmlns:p14="http://schemas.microsoft.com/office/powerpoint/2010/main" val="3156670715"/>
       </p:ext>
     </p:extLst>
   </p:cSld>
@@ -755,7 +755,7 @@
           <p:cNvPr id="2" name="标题 1">
             <a:extLst>
               <a:ext uri="{FF2B5EF4-FFF2-40B4-BE49-F238E27FC236}">
-                <a16:creationId xmlns:a16="http://schemas.microsoft.com/office/drawing/2014/main" id="{9DC9BA3D-1452-267E-C057-FB9A80EE2965}"/>
+                <a16:creationId xmlns:a16="http://schemas.microsoft.com/office/drawing/2014/main" id="{024A1EE5-1D86-3440-D993-4D52B113F6A2}"/>
               </a:ext>
             </a:extLst>
           </p:cNvPr>
@@ -783,7 +783,7 @@
           <p:cNvPr id="3" name="内容占位符 2">
             <a:extLst>
               <a:ext uri="{FF2B5EF4-FFF2-40B4-BE49-F238E27FC236}">
-                <a16:creationId xmlns:a16="http://schemas.microsoft.com/office/drawing/2014/main" id="{557B54E8-A60A-FD6F-F21A-3DF612D884DD}"/>
+                <a16:creationId xmlns:a16="http://schemas.microsoft.com/office/drawing/2014/main" id="{1B18C8CF-93DE-2BC5-0856-3973E285F2B1}"/>
               </a:ext>
             </a:extLst>
           </p:cNvPr>
@@ -840,7 +840,7 @@
           <p:cNvPr id="4" name="日期占位符 3">
             <a:extLst>
               <a:ext uri="{FF2B5EF4-FFF2-40B4-BE49-F238E27FC236}">
-                <a16:creationId xmlns:a16="http://schemas.microsoft.com/office/drawing/2014/main" id="{78AA55B9-3439-42F4-3702-E40C77743799}"/>
+                <a16:creationId xmlns:a16="http://schemas.microsoft.com/office/drawing/2014/main" id="{691BA719-4E96-760A-CE83-C06DB4186DC2}"/>
               </a:ext>
             </a:extLst>
           </p:cNvPr>
@@ -856,7 +856,7 @@
           <a:bodyPr/>
           <a:lstStyle/>
           <a:p>
-            <a:fld id="{ACDE3FD9-E2AA-4D27-9464-A728B68A370F}" type="datetimeFigureOut">
+            <a:fld id="{C48009A3-C1DD-4FAB-A809-8A9E0BF1D9FF}" type="datetimeFigureOut">
               <a:rPr lang="zh-CN" altLang="en-US" smtClean="0"/>
               <a:t>2024/3/10</a:t>
             </a:fld>
@@ -869,7 +869,7 @@
           <p:cNvPr id="5" name="页脚占位符 4">
             <a:extLst>
               <a:ext uri="{FF2B5EF4-FFF2-40B4-BE49-F238E27FC236}">
-                <a16:creationId xmlns:a16="http://schemas.microsoft.com/office/drawing/2014/main" id="{F7B4C54E-D0E3-0D37-EB20-C314D5B14CA3}"/>
+                <a16:creationId xmlns:a16="http://schemas.microsoft.com/office/drawing/2014/main" id="{F5118657-E011-6CF2-5AC5-0A19DEB3B4A8}"/>
               </a:ext>
             </a:extLst>
           </p:cNvPr>
@@ -894,7 +894,7 @@
           <p:cNvPr id="6" name="灯片编号占位符 5">
             <a:extLst>
               <a:ext uri="{FF2B5EF4-FFF2-40B4-BE49-F238E27FC236}">
-                <a16:creationId xmlns:a16="http://schemas.microsoft.com/office/drawing/2014/main" id="{C19FEEBF-2F5D-4F02-25C6-49C3FA439A84}"/>
+                <a16:creationId xmlns:a16="http://schemas.microsoft.com/office/drawing/2014/main" id="{3B4B0014-BFA7-3468-A7D8-D748613FF291}"/>
               </a:ext>
             </a:extLst>
           </p:cNvPr>
@@ -910,7 +910,7 @@
           <a:bodyPr/>
           <a:lstStyle/>
           <a:p>
-            <a:fld id="{7C270AD8-24A9-4254-8E04-F01FD463B97E}" type="slidenum">
+            <a:fld id="{83371C9C-61B6-453E-A938-4CC0CC437C6E}" type="slidenum">
               <a:rPr lang="zh-CN" altLang="en-US" smtClean="0"/>
               <a:t>‹#›</a:t>
             </a:fld>
@@ -921,7 +921,7 @@
     </p:spTree>
     <p:extLst>
       <p:ext uri="{BB962C8B-B14F-4D97-AF65-F5344CB8AC3E}">
-        <p14:creationId xmlns:p14="http://schemas.microsoft.com/office/powerpoint/2010/main" val="418394947"/>
+        <p14:creationId xmlns:p14="http://schemas.microsoft.com/office/powerpoint/2010/main" val="3734359150"/>
       </p:ext>
     </p:extLst>
   </p:cSld>
@@ -953,7 +953,7 @@
           <p:cNvPr id="2" name="标题 1">
             <a:extLst>
               <a:ext uri="{FF2B5EF4-FFF2-40B4-BE49-F238E27FC236}">
-                <a16:creationId xmlns:a16="http://schemas.microsoft.com/office/drawing/2014/main" id="{2CC201CB-5545-4043-350C-C654654166AE}"/>
+                <a16:creationId xmlns:a16="http://schemas.microsoft.com/office/drawing/2014/main" id="{5C2FEA33-388B-D2C6-E8CE-31C834AA908A}"/>
               </a:ext>
             </a:extLst>
           </p:cNvPr>
@@ -990,7 +990,7 @@
           <p:cNvPr id="3" name="文本占位符 2">
             <a:extLst>
               <a:ext uri="{FF2B5EF4-FFF2-40B4-BE49-F238E27FC236}">
-                <a16:creationId xmlns:a16="http://schemas.microsoft.com/office/drawing/2014/main" id="{E815606A-D9DC-C3D6-10D7-36C754EC4037}"/>
+                <a16:creationId xmlns:a16="http://schemas.microsoft.com/office/drawing/2014/main" id="{6EA6E861-45C6-BBA7-FD6A-81A752A79FD4}"/>
               </a:ext>
             </a:extLst>
           </p:cNvPr>
@@ -1115,7 +1115,7 @@
           <p:cNvPr id="4" name="日期占位符 3">
             <a:extLst>
               <a:ext uri="{FF2B5EF4-FFF2-40B4-BE49-F238E27FC236}">
-                <a16:creationId xmlns:a16="http://schemas.microsoft.com/office/drawing/2014/main" id="{128D3A8C-EA0E-C5B1-3B49-42635437BCF8}"/>
+                <a16:creationId xmlns:a16="http://schemas.microsoft.com/office/drawing/2014/main" id="{046D75B6-1BF2-6037-05FB-23B2A0676FE1}"/>
               </a:ext>
             </a:extLst>
           </p:cNvPr>
@@ -1131,7 +1131,7 @@
           <a:bodyPr/>
           <a:lstStyle/>
           <a:p>
-            <a:fld id="{ACDE3FD9-E2AA-4D27-9464-A728B68A370F}" type="datetimeFigureOut">
+            <a:fld id="{C48009A3-C1DD-4FAB-A809-8A9E0BF1D9FF}" type="datetimeFigureOut">
               <a:rPr lang="zh-CN" altLang="en-US" smtClean="0"/>
               <a:t>2024/3/10</a:t>
             </a:fld>
@@ -1144,7 +1144,7 @@
           <p:cNvPr id="5" name="页脚占位符 4">
             <a:extLst>
               <a:ext uri="{FF2B5EF4-FFF2-40B4-BE49-F238E27FC236}">
-                <a16:creationId xmlns:a16="http://schemas.microsoft.com/office/drawing/2014/main" id="{4CA29B0C-BCA0-5761-C4D6-5D179073E6A2}"/>
+                <a16:creationId xmlns:a16="http://schemas.microsoft.com/office/drawing/2014/main" id="{BAAF1EDB-791F-F190-E135-7E2C9C589351}"/>
               </a:ext>
             </a:extLst>
           </p:cNvPr>
@@ -1169,7 +1169,7 @@
           <p:cNvPr id="6" name="灯片编号占位符 5">
             <a:extLst>
               <a:ext uri="{FF2B5EF4-FFF2-40B4-BE49-F238E27FC236}">
-                <a16:creationId xmlns:a16="http://schemas.microsoft.com/office/drawing/2014/main" id="{9ACC81C9-DEA1-10D3-51F9-A7B10F6AB824}"/>
+                <a16:creationId xmlns:a16="http://schemas.microsoft.com/office/drawing/2014/main" id="{D7F9BBE9-1762-62DB-1D8E-7B319EEA7904}"/>
               </a:ext>
             </a:extLst>
           </p:cNvPr>
@@ -1185,7 +1185,7 @@
           <a:bodyPr/>
           <a:lstStyle/>
           <a:p>
-            <a:fld id="{7C270AD8-24A9-4254-8E04-F01FD463B97E}" type="slidenum">
+            <a:fld id="{83371C9C-61B6-453E-A938-4CC0CC437C6E}" type="slidenum">
               <a:rPr lang="zh-CN" altLang="en-US" smtClean="0"/>
               <a:t>‹#›</a:t>
             </a:fld>
@@ -1196,7 +1196,7 @@
     </p:spTree>
     <p:extLst>
       <p:ext uri="{BB962C8B-B14F-4D97-AF65-F5344CB8AC3E}">
-        <p14:creationId xmlns:p14="http://schemas.microsoft.com/office/powerpoint/2010/main" val="1593829387"/>
+        <p14:creationId xmlns:p14="http://schemas.microsoft.com/office/powerpoint/2010/main" val="74592170"/>
       </p:ext>
     </p:extLst>
   </p:cSld>
@@ -1228,7 +1228,7 @@
           <p:cNvPr id="2" name="标题 1">
             <a:extLst>
               <a:ext uri="{FF2B5EF4-FFF2-40B4-BE49-F238E27FC236}">
-                <a16:creationId xmlns:a16="http://schemas.microsoft.com/office/drawing/2014/main" id="{B0B5F6C9-1D11-07D3-768E-A157A2855B06}"/>
+                <a16:creationId xmlns:a16="http://schemas.microsoft.com/office/drawing/2014/main" id="{03C1207F-1825-DEAF-1D55-A0AAE86DBA2B}"/>
               </a:ext>
             </a:extLst>
           </p:cNvPr>
@@ -1256,7 +1256,7 @@
           <p:cNvPr id="3" name="内容占位符 2">
             <a:extLst>
               <a:ext uri="{FF2B5EF4-FFF2-40B4-BE49-F238E27FC236}">
-                <a16:creationId xmlns:a16="http://schemas.microsoft.com/office/drawing/2014/main" id="{003FDD68-351E-6868-0605-ACB15A4B57CD}"/>
+                <a16:creationId xmlns:a16="http://schemas.microsoft.com/office/drawing/2014/main" id="{0C34CF96-8862-C3F2-A30A-6C7AA04404C2}"/>
               </a:ext>
             </a:extLst>
           </p:cNvPr>
@@ -1318,7 +1318,7 @@
           <p:cNvPr id="4" name="内容占位符 3">
             <a:extLst>
               <a:ext uri="{FF2B5EF4-FFF2-40B4-BE49-F238E27FC236}">
-                <a16:creationId xmlns:a16="http://schemas.microsoft.com/office/drawing/2014/main" id="{4F65AEAD-63C8-BCC6-C4CF-80FDEF4D29B0}"/>
+                <a16:creationId xmlns:a16="http://schemas.microsoft.com/office/drawing/2014/main" id="{EE87E33A-BE61-E8AF-998D-CC3EAEF9C198}"/>
               </a:ext>
             </a:extLst>
           </p:cNvPr>
@@ -1380,7 +1380,7 @@
           <p:cNvPr id="5" name="日期占位符 4">
             <a:extLst>
               <a:ext uri="{FF2B5EF4-FFF2-40B4-BE49-F238E27FC236}">
-                <a16:creationId xmlns:a16="http://schemas.microsoft.com/office/drawing/2014/main" id="{BD503BD4-74FE-A6A3-0A1E-AEE07E7B8FB1}"/>
+                <a16:creationId xmlns:a16="http://schemas.microsoft.com/office/drawing/2014/main" id="{F9A8B6CB-1941-E3CF-98A0-46AE8E343C48}"/>
               </a:ext>
             </a:extLst>
           </p:cNvPr>
@@ -1396,7 +1396,7 @@
           <a:bodyPr/>
           <a:lstStyle/>
           <a:p>
-            <a:fld id="{ACDE3FD9-E2AA-4D27-9464-A728B68A370F}" type="datetimeFigureOut">
+            <a:fld id="{C48009A3-C1DD-4FAB-A809-8A9E0BF1D9FF}" type="datetimeFigureOut">
               <a:rPr lang="zh-CN" altLang="en-US" smtClean="0"/>
               <a:t>2024/3/10</a:t>
             </a:fld>
@@ -1409,7 +1409,7 @@
           <p:cNvPr id="6" name="页脚占位符 5">
             <a:extLst>
               <a:ext uri="{FF2B5EF4-FFF2-40B4-BE49-F238E27FC236}">
-                <a16:creationId xmlns:a16="http://schemas.microsoft.com/office/drawing/2014/main" id="{5A7C089A-91E1-AB8F-D119-29123160B238}"/>
+                <a16:creationId xmlns:a16="http://schemas.microsoft.com/office/drawing/2014/main" id="{8258F06F-3E39-D136-6902-2160D7FB3B86}"/>
               </a:ext>
             </a:extLst>
           </p:cNvPr>
@@ -1434,7 +1434,7 @@
           <p:cNvPr id="7" name="灯片编号占位符 6">
             <a:extLst>
               <a:ext uri="{FF2B5EF4-FFF2-40B4-BE49-F238E27FC236}">
-                <a16:creationId xmlns:a16="http://schemas.microsoft.com/office/drawing/2014/main" id="{4571E6AC-EED6-179C-B6CA-E44EEC5850B4}"/>
+                <a16:creationId xmlns:a16="http://schemas.microsoft.com/office/drawing/2014/main" id="{E16A39D8-5923-0E3E-5618-E39EFF137E0E}"/>
               </a:ext>
             </a:extLst>
           </p:cNvPr>
@@ -1450,7 +1450,7 @@
           <a:bodyPr/>
           <a:lstStyle/>
           <a:p>
-            <a:fld id="{7C270AD8-24A9-4254-8E04-F01FD463B97E}" type="slidenum">
+            <a:fld id="{83371C9C-61B6-453E-A938-4CC0CC437C6E}" type="slidenum">
               <a:rPr lang="zh-CN" altLang="en-US" smtClean="0"/>
               <a:t>‹#›</a:t>
             </a:fld>
@@ -1461,7 +1461,7 @@
     </p:spTree>
     <p:extLst>
       <p:ext uri="{BB962C8B-B14F-4D97-AF65-F5344CB8AC3E}">
-        <p14:creationId xmlns:p14="http://schemas.microsoft.com/office/powerpoint/2010/main" val="2206303739"/>
+        <p14:creationId xmlns:p14="http://schemas.microsoft.com/office/powerpoint/2010/main" val="517652602"/>
       </p:ext>
     </p:extLst>
   </p:cSld>
@@ -1493,7 +1493,7 @@
           <p:cNvPr id="2" name="标题 1">
             <a:extLst>
               <a:ext uri="{FF2B5EF4-FFF2-40B4-BE49-F238E27FC236}">
-                <a16:creationId xmlns:a16="http://schemas.microsoft.com/office/drawing/2014/main" id="{3E0F7546-3A10-2BA3-925C-D07D0AA43A1F}"/>
+                <a16:creationId xmlns:a16="http://schemas.microsoft.com/office/drawing/2014/main" id="{A7DF0545-B377-DB3E-1E68-4F461A85997F}"/>
               </a:ext>
             </a:extLst>
           </p:cNvPr>
@@ -1526,7 +1526,7 @@
           <p:cNvPr id="3" name="文本占位符 2">
             <a:extLst>
               <a:ext uri="{FF2B5EF4-FFF2-40B4-BE49-F238E27FC236}">
-                <a16:creationId xmlns:a16="http://schemas.microsoft.com/office/drawing/2014/main" id="{14C478C4-9627-7BA1-5815-60D32D81926B}"/>
+                <a16:creationId xmlns:a16="http://schemas.microsoft.com/office/drawing/2014/main" id="{458559B9-C277-DB41-B175-5C41983DE16C}"/>
               </a:ext>
             </a:extLst>
           </p:cNvPr>
@@ -1597,7 +1597,7 @@
           <p:cNvPr id="4" name="内容占位符 3">
             <a:extLst>
               <a:ext uri="{FF2B5EF4-FFF2-40B4-BE49-F238E27FC236}">
-                <a16:creationId xmlns:a16="http://schemas.microsoft.com/office/drawing/2014/main" id="{872E4303-5AED-4D80-962F-2771059CA8AE}"/>
+                <a16:creationId xmlns:a16="http://schemas.microsoft.com/office/drawing/2014/main" id="{B2CFD3F1-EFA3-B118-E62C-DC2C0115812A}"/>
               </a:ext>
             </a:extLst>
           </p:cNvPr>
@@ -1659,7 +1659,7 @@
           <p:cNvPr id="5" name="文本占位符 4">
             <a:extLst>
               <a:ext uri="{FF2B5EF4-FFF2-40B4-BE49-F238E27FC236}">
-                <a16:creationId xmlns:a16="http://schemas.microsoft.com/office/drawing/2014/main" id="{7077F3B8-15B1-AF82-2267-2CB2D3FC9CA0}"/>
+                <a16:creationId xmlns:a16="http://schemas.microsoft.com/office/drawing/2014/main" id="{37DA8443-D6C7-CACA-66E0-84CC41D9B623}"/>
               </a:ext>
             </a:extLst>
           </p:cNvPr>
@@ -1730,7 +1730,7 @@
           <p:cNvPr id="6" name="内容占位符 5">
             <a:extLst>
               <a:ext uri="{FF2B5EF4-FFF2-40B4-BE49-F238E27FC236}">
-                <a16:creationId xmlns:a16="http://schemas.microsoft.com/office/drawing/2014/main" id="{14F45C42-6173-C960-90A2-5A5667E44194}"/>
+                <a16:creationId xmlns:a16="http://schemas.microsoft.com/office/drawing/2014/main" id="{CC3C7667-06C6-6D0E-416A-0092946D570E}"/>
               </a:ext>
             </a:extLst>
           </p:cNvPr>
@@ -1792,7 +1792,7 @@
           <p:cNvPr id="7" name="日期占位符 6">
             <a:extLst>
               <a:ext uri="{FF2B5EF4-FFF2-40B4-BE49-F238E27FC236}">
-                <a16:creationId xmlns:a16="http://schemas.microsoft.com/office/drawing/2014/main" id="{5C48CEDF-FDFF-5BB3-BA86-F0CD1115D896}"/>
+                <a16:creationId xmlns:a16="http://schemas.microsoft.com/office/drawing/2014/main" id="{B43E707A-6C3E-7DB7-0DFB-8FFE1FA3ABD4}"/>
               </a:ext>
             </a:extLst>
           </p:cNvPr>
@@ -1808,7 +1808,7 @@
           <a:bodyPr/>
           <a:lstStyle/>
           <a:p>
-            <a:fld id="{ACDE3FD9-E2AA-4D27-9464-A728B68A370F}" type="datetimeFigureOut">
+            <a:fld id="{C48009A3-C1DD-4FAB-A809-8A9E0BF1D9FF}" type="datetimeFigureOut">
               <a:rPr lang="zh-CN" altLang="en-US" smtClean="0"/>
               <a:t>2024/3/10</a:t>
             </a:fld>
@@ -1821,7 +1821,7 @@
           <p:cNvPr id="8" name="页脚占位符 7">
             <a:extLst>
               <a:ext uri="{FF2B5EF4-FFF2-40B4-BE49-F238E27FC236}">
-                <a16:creationId xmlns:a16="http://schemas.microsoft.com/office/drawing/2014/main" id="{E929AF92-0211-EE95-C27E-A6744B0F7F84}"/>
+                <a16:creationId xmlns:a16="http://schemas.microsoft.com/office/drawing/2014/main" id="{667C291A-E61B-EED5-EE3D-015E41ED95D3}"/>
               </a:ext>
             </a:extLst>
           </p:cNvPr>
@@ -1846,7 +1846,7 @@
           <p:cNvPr id="9" name="灯片编号占位符 8">
             <a:extLst>
               <a:ext uri="{FF2B5EF4-FFF2-40B4-BE49-F238E27FC236}">
-                <a16:creationId xmlns:a16="http://schemas.microsoft.com/office/drawing/2014/main" id="{E0CEE8B4-B220-6412-159C-ACCD92ABA8F2}"/>
+                <a16:creationId xmlns:a16="http://schemas.microsoft.com/office/drawing/2014/main" id="{3E391C24-813A-FE99-A1AF-4274B73BAB8F}"/>
               </a:ext>
             </a:extLst>
           </p:cNvPr>
@@ -1862,7 +1862,7 @@
           <a:bodyPr/>
           <a:lstStyle/>
           <a:p>
-            <a:fld id="{7C270AD8-24A9-4254-8E04-F01FD463B97E}" type="slidenum">
+            <a:fld id="{83371C9C-61B6-453E-A938-4CC0CC437C6E}" type="slidenum">
               <a:rPr lang="zh-CN" altLang="en-US" smtClean="0"/>
               <a:t>‹#›</a:t>
             </a:fld>
@@ -1873,7 +1873,7 @@
     </p:spTree>
     <p:extLst>
       <p:ext uri="{BB962C8B-B14F-4D97-AF65-F5344CB8AC3E}">
-        <p14:creationId xmlns:p14="http://schemas.microsoft.com/office/powerpoint/2010/main" val="3547643329"/>
+        <p14:creationId xmlns:p14="http://schemas.microsoft.com/office/powerpoint/2010/main" val="4153645253"/>
       </p:ext>
     </p:extLst>
   </p:cSld>
@@ -1905,7 +1905,7 @@
           <p:cNvPr id="2" name="标题 1">
             <a:extLst>
               <a:ext uri="{FF2B5EF4-FFF2-40B4-BE49-F238E27FC236}">
-                <a16:creationId xmlns:a16="http://schemas.microsoft.com/office/drawing/2014/main" id="{45DA7855-3085-41C3-9B03-80A8593479ED}"/>
+                <a16:creationId xmlns:a16="http://schemas.microsoft.com/office/drawing/2014/main" id="{1DF4B2C4-2F00-FC5E-35A6-5775FA4B4697}"/>
               </a:ext>
             </a:extLst>
           </p:cNvPr>
@@ -1933,7 +1933,7 @@
           <p:cNvPr id="3" name="日期占位符 2">
             <a:extLst>
               <a:ext uri="{FF2B5EF4-FFF2-40B4-BE49-F238E27FC236}">
-                <a16:creationId xmlns:a16="http://schemas.microsoft.com/office/drawing/2014/main" id="{9DC4C23E-5634-26FE-4AA0-87F007BFCAAE}"/>
+                <a16:creationId xmlns:a16="http://schemas.microsoft.com/office/drawing/2014/main" id="{AFEE49D2-7C76-3B07-7AD9-42FC737355CA}"/>
               </a:ext>
             </a:extLst>
           </p:cNvPr>
@@ -1949,7 +1949,7 @@
           <a:bodyPr/>
           <a:lstStyle/>
           <a:p>
-            <a:fld id="{ACDE3FD9-E2AA-4D27-9464-A728B68A370F}" type="datetimeFigureOut">
+            <a:fld id="{C48009A3-C1DD-4FAB-A809-8A9E0BF1D9FF}" type="datetimeFigureOut">
               <a:rPr lang="zh-CN" altLang="en-US" smtClean="0"/>
               <a:t>2024/3/10</a:t>
             </a:fld>
@@ -1962,7 +1962,7 @@
           <p:cNvPr id="4" name="页脚占位符 3">
             <a:extLst>
               <a:ext uri="{FF2B5EF4-FFF2-40B4-BE49-F238E27FC236}">
-                <a16:creationId xmlns:a16="http://schemas.microsoft.com/office/drawing/2014/main" id="{86983A13-29C3-C042-17CD-5C5789850B11}"/>
+                <a16:creationId xmlns:a16="http://schemas.microsoft.com/office/drawing/2014/main" id="{701BF7F3-D0D7-E678-7087-1F4992896037}"/>
               </a:ext>
             </a:extLst>
           </p:cNvPr>
@@ -1987,7 +1987,7 @@
           <p:cNvPr id="5" name="灯片编号占位符 4">
             <a:extLst>
               <a:ext uri="{FF2B5EF4-FFF2-40B4-BE49-F238E27FC236}">
-                <a16:creationId xmlns:a16="http://schemas.microsoft.com/office/drawing/2014/main" id="{23B98E9D-0441-59E3-2DCF-79C29F54788A}"/>
+                <a16:creationId xmlns:a16="http://schemas.microsoft.com/office/drawing/2014/main" id="{B364C4DA-A035-7388-8482-D96E143639B9}"/>
               </a:ext>
             </a:extLst>
           </p:cNvPr>
@@ -2003,7 +2003,7 @@
           <a:bodyPr/>
           <a:lstStyle/>
           <a:p>
-            <a:fld id="{7C270AD8-24A9-4254-8E04-F01FD463B97E}" type="slidenum">
+            <a:fld id="{83371C9C-61B6-453E-A938-4CC0CC437C6E}" type="slidenum">
               <a:rPr lang="zh-CN" altLang="en-US" smtClean="0"/>
               <a:t>‹#›</a:t>
             </a:fld>
@@ -2014,7 +2014,7 @@
     </p:spTree>
     <p:extLst>
       <p:ext uri="{BB962C8B-B14F-4D97-AF65-F5344CB8AC3E}">
-        <p14:creationId xmlns:p14="http://schemas.microsoft.com/office/powerpoint/2010/main" val="2424402038"/>
+        <p14:creationId xmlns:p14="http://schemas.microsoft.com/office/powerpoint/2010/main" val="3428598507"/>
       </p:ext>
     </p:extLst>
   </p:cSld>
@@ -2046,7 +2046,7 @@
           <p:cNvPr id="2" name="日期占位符 1">
             <a:extLst>
               <a:ext uri="{FF2B5EF4-FFF2-40B4-BE49-F238E27FC236}">
-                <a16:creationId xmlns:a16="http://schemas.microsoft.com/office/drawing/2014/main" id="{81CA4DC7-EE35-CE60-65F9-6801EBC834A4}"/>
+                <a16:creationId xmlns:a16="http://schemas.microsoft.com/office/drawing/2014/main" id="{C09726AE-6FDE-FF5E-EFE7-702280D64EDB}"/>
               </a:ext>
             </a:extLst>
           </p:cNvPr>
@@ -2062,7 +2062,7 @@
           <a:bodyPr/>
           <a:lstStyle/>
           <a:p>
-            <a:fld id="{ACDE3FD9-E2AA-4D27-9464-A728B68A370F}" type="datetimeFigureOut">
+            <a:fld id="{C48009A3-C1DD-4FAB-A809-8A9E0BF1D9FF}" type="datetimeFigureOut">
               <a:rPr lang="zh-CN" altLang="en-US" smtClean="0"/>
               <a:t>2024/3/10</a:t>
             </a:fld>
@@ -2075,7 +2075,7 @@
           <p:cNvPr id="3" name="页脚占位符 2">
             <a:extLst>
               <a:ext uri="{FF2B5EF4-FFF2-40B4-BE49-F238E27FC236}">
-                <a16:creationId xmlns:a16="http://schemas.microsoft.com/office/drawing/2014/main" id="{13E1EB85-596D-580B-08F1-B75AE9769D04}"/>
+                <a16:creationId xmlns:a16="http://schemas.microsoft.com/office/drawing/2014/main" id="{3C8A7F95-3E1F-DE79-1B89-FEF1EDB28FF9}"/>
               </a:ext>
             </a:extLst>
           </p:cNvPr>
@@ -2100,7 +2100,7 @@
           <p:cNvPr id="4" name="灯片编号占位符 3">
             <a:extLst>
               <a:ext uri="{FF2B5EF4-FFF2-40B4-BE49-F238E27FC236}">
-                <a16:creationId xmlns:a16="http://schemas.microsoft.com/office/drawing/2014/main" id="{D5065158-5CB4-1B09-CCD8-A81D2C088300}"/>
+                <a16:creationId xmlns:a16="http://schemas.microsoft.com/office/drawing/2014/main" id="{F2F6177F-45EF-234F-A9F4-041D6D31A285}"/>
               </a:ext>
             </a:extLst>
           </p:cNvPr>
@@ -2116,7 +2116,7 @@
           <a:bodyPr/>
           <a:lstStyle/>
           <a:p>
-            <a:fld id="{7C270AD8-24A9-4254-8E04-F01FD463B97E}" type="slidenum">
+            <a:fld id="{83371C9C-61B6-453E-A938-4CC0CC437C6E}" type="slidenum">
               <a:rPr lang="zh-CN" altLang="en-US" smtClean="0"/>
               <a:t>‹#›</a:t>
             </a:fld>
@@ -2127,7 +2127,7 @@
     </p:spTree>
     <p:extLst>
       <p:ext uri="{BB962C8B-B14F-4D97-AF65-F5344CB8AC3E}">
-        <p14:creationId xmlns:p14="http://schemas.microsoft.com/office/powerpoint/2010/main" val="1729106916"/>
+        <p14:creationId xmlns:p14="http://schemas.microsoft.com/office/powerpoint/2010/main" val="661217914"/>
       </p:ext>
     </p:extLst>
   </p:cSld>
@@ -2159,7 +2159,7 @@
           <p:cNvPr id="2" name="标题 1">
             <a:extLst>
               <a:ext uri="{FF2B5EF4-FFF2-40B4-BE49-F238E27FC236}">
-                <a16:creationId xmlns:a16="http://schemas.microsoft.com/office/drawing/2014/main" id="{42B6ADA7-8AA9-F3E0-4308-95FD0C9647A4}"/>
+                <a16:creationId xmlns:a16="http://schemas.microsoft.com/office/drawing/2014/main" id="{E8AFE9C6-D3B6-C4EE-D5C4-721C1F6FC601}"/>
               </a:ext>
             </a:extLst>
           </p:cNvPr>
@@ -2196,7 +2196,7 @@
           <p:cNvPr id="3" name="内容占位符 2">
             <a:extLst>
               <a:ext uri="{FF2B5EF4-FFF2-40B4-BE49-F238E27FC236}">
-                <a16:creationId xmlns:a16="http://schemas.microsoft.com/office/drawing/2014/main" id="{E5861D9A-A3C1-5281-D9B2-4106FD94B5D2}"/>
+                <a16:creationId xmlns:a16="http://schemas.microsoft.com/office/drawing/2014/main" id="{ABBFF57D-C685-1014-19D1-05DC819C4500}"/>
               </a:ext>
             </a:extLst>
           </p:cNvPr>
@@ -2286,7 +2286,7 @@
           <p:cNvPr id="4" name="文本占位符 3">
             <a:extLst>
               <a:ext uri="{FF2B5EF4-FFF2-40B4-BE49-F238E27FC236}">
-                <a16:creationId xmlns:a16="http://schemas.microsoft.com/office/drawing/2014/main" id="{A6959BD9-80A1-B992-0A5C-8FAA0EB81AFE}"/>
+                <a16:creationId xmlns:a16="http://schemas.microsoft.com/office/drawing/2014/main" id="{2E8F6B53-EA78-A141-6B39-CC99BEEA1B5B}"/>
               </a:ext>
             </a:extLst>
           </p:cNvPr>
@@ -2357,7 +2357,7 @@
           <p:cNvPr id="5" name="日期占位符 4">
             <a:extLst>
               <a:ext uri="{FF2B5EF4-FFF2-40B4-BE49-F238E27FC236}">
-                <a16:creationId xmlns:a16="http://schemas.microsoft.com/office/drawing/2014/main" id="{AC2CC537-BE42-0276-E5EB-877D64D15009}"/>
+                <a16:creationId xmlns:a16="http://schemas.microsoft.com/office/drawing/2014/main" id="{6ACB90FE-E649-566F-E1CA-6972AC8D30D3}"/>
               </a:ext>
             </a:extLst>
           </p:cNvPr>
@@ -2373,7 +2373,7 @@
           <a:bodyPr/>
           <a:lstStyle/>
           <a:p>
-            <a:fld id="{ACDE3FD9-E2AA-4D27-9464-A728B68A370F}" type="datetimeFigureOut">
+            <a:fld id="{C48009A3-C1DD-4FAB-A809-8A9E0BF1D9FF}" type="datetimeFigureOut">
               <a:rPr lang="zh-CN" altLang="en-US" smtClean="0"/>
               <a:t>2024/3/10</a:t>
             </a:fld>
@@ -2386,7 +2386,7 @@
           <p:cNvPr id="6" name="页脚占位符 5">
             <a:extLst>
               <a:ext uri="{FF2B5EF4-FFF2-40B4-BE49-F238E27FC236}">
-                <a16:creationId xmlns:a16="http://schemas.microsoft.com/office/drawing/2014/main" id="{47FED347-A421-627A-9A98-3BBA2E8948D1}"/>
+                <a16:creationId xmlns:a16="http://schemas.microsoft.com/office/drawing/2014/main" id="{0EFB7FFF-3689-71A6-6CCD-C5F1CBF558E2}"/>
               </a:ext>
             </a:extLst>
           </p:cNvPr>
@@ -2411,7 +2411,7 @@
           <p:cNvPr id="7" name="灯片编号占位符 6">
             <a:extLst>
               <a:ext uri="{FF2B5EF4-FFF2-40B4-BE49-F238E27FC236}">
-                <a16:creationId xmlns:a16="http://schemas.microsoft.com/office/drawing/2014/main" id="{F5D5C02C-F706-282B-688F-3F1A4150D748}"/>
+                <a16:creationId xmlns:a16="http://schemas.microsoft.com/office/drawing/2014/main" id="{6DE2E79F-B87B-57E8-6E95-676AAE52C35E}"/>
               </a:ext>
             </a:extLst>
           </p:cNvPr>
@@ -2427,7 +2427,7 @@
           <a:bodyPr/>
           <a:lstStyle/>
           <a:p>
-            <a:fld id="{7C270AD8-24A9-4254-8E04-F01FD463B97E}" type="slidenum">
+            <a:fld id="{83371C9C-61B6-453E-A938-4CC0CC437C6E}" type="slidenum">
               <a:rPr lang="zh-CN" altLang="en-US" smtClean="0"/>
               <a:t>‹#›</a:t>
             </a:fld>
@@ -2438,7 +2438,7 @@
     </p:spTree>
     <p:extLst>
       <p:ext uri="{BB962C8B-B14F-4D97-AF65-F5344CB8AC3E}">
-        <p14:creationId xmlns:p14="http://schemas.microsoft.com/office/powerpoint/2010/main" val="371003305"/>
+        <p14:creationId xmlns:p14="http://schemas.microsoft.com/office/powerpoint/2010/main" val="2180602285"/>
       </p:ext>
     </p:extLst>
   </p:cSld>
@@ -2470,7 +2470,7 @@
           <p:cNvPr id="2" name="标题 1">
             <a:extLst>
               <a:ext uri="{FF2B5EF4-FFF2-40B4-BE49-F238E27FC236}">
-                <a16:creationId xmlns:a16="http://schemas.microsoft.com/office/drawing/2014/main" id="{6A2F6886-928E-5C9D-E434-101FEB29B1D4}"/>
+                <a16:creationId xmlns:a16="http://schemas.microsoft.com/office/drawing/2014/main" id="{F03A8EE6-05EF-B8C1-062C-67E4DA078ABD}"/>
               </a:ext>
             </a:extLst>
           </p:cNvPr>
@@ -2507,7 +2507,7 @@
           <p:cNvPr id="3" name="图片占位符 2">
             <a:extLst>
               <a:ext uri="{FF2B5EF4-FFF2-40B4-BE49-F238E27FC236}">
-                <a16:creationId xmlns:a16="http://schemas.microsoft.com/office/drawing/2014/main" id="{0227A1BA-A25A-6DA8-D1C2-BA30F267F4C4}"/>
+                <a16:creationId xmlns:a16="http://schemas.microsoft.com/office/drawing/2014/main" id="{29C14A8A-F6C6-922A-1977-168B3D6B7330}"/>
               </a:ext>
             </a:extLst>
           </p:cNvPr>
@@ -2574,7 +2574,7 @@
           <p:cNvPr id="4" name="文本占位符 3">
             <a:extLst>
               <a:ext uri="{FF2B5EF4-FFF2-40B4-BE49-F238E27FC236}">
-                <a16:creationId xmlns:a16="http://schemas.microsoft.com/office/drawing/2014/main" id="{345162AC-67DC-F483-2E55-936FB99281BC}"/>
+                <a16:creationId xmlns:a16="http://schemas.microsoft.com/office/drawing/2014/main" id="{17844BF1-6B97-C2B6-DA18-5A61008A593C}"/>
               </a:ext>
             </a:extLst>
           </p:cNvPr>
@@ -2645,7 +2645,7 @@
           <p:cNvPr id="5" name="日期占位符 4">
             <a:extLst>
               <a:ext uri="{FF2B5EF4-FFF2-40B4-BE49-F238E27FC236}">
-                <a16:creationId xmlns:a16="http://schemas.microsoft.com/office/drawing/2014/main" id="{360994AB-D5BF-B706-B041-8CBB501A7229}"/>
+                <a16:creationId xmlns:a16="http://schemas.microsoft.com/office/drawing/2014/main" id="{AE1C17BE-EC60-4AC2-695A-22479B4D7D15}"/>
               </a:ext>
             </a:extLst>
           </p:cNvPr>
@@ -2661,7 +2661,7 @@
           <a:bodyPr/>
           <a:lstStyle/>
           <a:p>
-            <a:fld id="{ACDE3FD9-E2AA-4D27-9464-A728B68A370F}" type="datetimeFigureOut">
+            <a:fld id="{C48009A3-C1DD-4FAB-A809-8A9E0BF1D9FF}" type="datetimeFigureOut">
               <a:rPr lang="zh-CN" altLang="en-US" smtClean="0"/>
               <a:t>2024/3/10</a:t>
             </a:fld>
@@ -2674,7 +2674,7 @@
           <p:cNvPr id="6" name="页脚占位符 5">
             <a:extLst>
               <a:ext uri="{FF2B5EF4-FFF2-40B4-BE49-F238E27FC236}">
-                <a16:creationId xmlns:a16="http://schemas.microsoft.com/office/drawing/2014/main" id="{18D90685-99F3-5ADD-EA25-E74B32E5D02E}"/>
+                <a16:creationId xmlns:a16="http://schemas.microsoft.com/office/drawing/2014/main" id="{7C0F1840-E763-A4BC-F81E-E71A2DFD2C97}"/>
               </a:ext>
             </a:extLst>
           </p:cNvPr>
@@ -2699,7 +2699,7 @@
           <p:cNvPr id="7" name="灯片编号占位符 6">
             <a:extLst>
               <a:ext uri="{FF2B5EF4-FFF2-40B4-BE49-F238E27FC236}">
-                <a16:creationId xmlns:a16="http://schemas.microsoft.com/office/drawing/2014/main" id="{8344226B-3F77-9BEF-A3BA-6334092B03C4}"/>
+                <a16:creationId xmlns:a16="http://schemas.microsoft.com/office/drawing/2014/main" id="{152813A6-EB1C-D3DA-6F04-C2D661121714}"/>
               </a:ext>
             </a:extLst>
           </p:cNvPr>
@@ -2715,7 +2715,7 @@
           <a:bodyPr/>
           <a:lstStyle/>
           <a:p>
-            <a:fld id="{7C270AD8-24A9-4254-8E04-F01FD463B97E}" type="slidenum">
+            <a:fld id="{83371C9C-61B6-453E-A938-4CC0CC437C6E}" type="slidenum">
               <a:rPr lang="zh-CN" altLang="en-US" smtClean="0"/>
               <a:t>‹#›</a:t>
             </a:fld>
@@ -2726,7 +2726,7 @@
     </p:spTree>
     <p:extLst>
       <p:ext uri="{BB962C8B-B14F-4D97-AF65-F5344CB8AC3E}">
-        <p14:creationId xmlns:p14="http://schemas.microsoft.com/office/powerpoint/2010/main" val="2597969826"/>
+        <p14:creationId xmlns:p14="http://schemas.microsoft.com/office/powerpoint/2010/main" val="3465584708"/>
       </p:ext>
     </p:extLst>
   </p:cSld>
@@ -2763,7 +2763,7 @@
           <p:cNvPr id="2" name="标题占位符 1">
             <a:extLst>
               <a:ext uri="{FF2B5EF4-FFF2-40B4-BE49-F238E27FC236}">
-                <a16:creationId xmlns:a16="http://schemas.microsoft.com/office/drawing/2014/main" id="{AB790990-C20E-5ACA-ACA0-CFE8CA522461}"/>
+                <a16:creationId xmlns:a16="http://schemas.microsoft.com/office/drawing/2014/main" id="{BB361886-B0DC-3950-A602-529A257DA10A}"/>
               </a:ext>
             </a:extLst>
           </p:cNvPr>
@@ -2801,7 +2801,7 @@
           <p:cNvPr id="3" name="文本占位符 2">
             <a:extLst>
               <a:ext uri="{FF2B5EF4-FFF2-40B4-BE49-F238E27FC236}">
-                <a16:creationId xmlns:a16="http://schemas.microsoft.com/office/drawing/2014/main" id="{36D97649-28F2-19EB-4D9E-F5AAF66FC077}"/>
+                <a16:creationId xmlns:a16="http://schemas.microsoft.com/office/drawing/2014/main" id="{3B3F7E7B-EDF6-B4C4-F089-AE660909BF09}"/>
               </a:ext>
             </a:extLst>
           </p:cNvPr>
@@ -2868,7 +2868,7 @@
           <p:cNvPr id="4" name="日期占位符 3">
             <a:extLst>
               <a:ext uri="{FF2B5EF4-FFF2-40B4-BE49-F238E27FC236}">
-                <a16:creationId xmlns:a16="http://schemas.microsoft.com/office/drawing/2014/main" id="{459FA44A-0D6C-08D0-F63E-05CF51680619}"/>
+                <a16:creationId xmlns:a16="http://schemas.microsoft.com/office/drawing/2014/main" id="{712FFCBE-37C0-B2E3-E5FF-C271A7E655B3}"/>
               </a:ext>
             </a:extLst>
           </p:cNvPr>
@@ -2902,7 +2902,7 @@
             </a:lvl1pPr>
           </a:lstStyle>
           <a:p>
-            <a:fld id="{ACDE3FD9-E2AA-4D27-9464-A728B68A370F}" type="datetimeFigureOut">
+            <a:fld id="{C48009A3-C1DD-4FAB-A809-8A9E0BF1D9FF}" type="datetimeFigureOut">
               <a:rPr lang="zh-CN" altLang="en-US" smtClean="0"/>
               <a:t>2024/3/10</a:t>
             </a:fld>
@@ -2915,7 +2915,7 @@
           <p:cNvPr id="5" name="页脚占位符 4">
             <a:extLst>
               <a:ext uri="{FF2B5EF4-FFF2-40B4-BE49-F238E27FC236}">
-                <a16:creationId xmlns:a16="http://schemas.microsoft.com/office/drawing/2014/main" id="{E1A5D126-B6B8-F4F6-0DD3-E9B44D915880}"/>
+                <a16:creationId xmlns:a16="http://schemas.microsoft.com/office/drawing/2014/main" id="{BD7F1480-BD2E-82FB-0FFB-34FB0CC7C985}"/>
               </a:ext>
             </a:extLst>
           </p:cNvPr>
@@ -2958,7 +2958,7 @@
           <p:cNvPr id="6" name="灯片编号占位符 5">
             <a:extLst>
               <a:ext uri="{FF2B5EF4-FFF2-40B4-BE49-F238E27FC236}">
-                <a16:creationId xmlns:a16="http://schemas.microsoft.com/office/drawing/2014/main" id="{2B58C5E1-9DF5-E46B-554F-979C246DDF56}"/>
+                <a16:creationId xmlns:a16="http://schemas.microsoft.com/office/drawing/2014/main" id="{C633AF55-B701-1DDE-FE1B-7A7A6582890C}"/>
               </a:ext>
             </a:extLst>
           </p:cNvPr>
@@ -2992,7 +2992,7 @@
             </a:lvl1pPr>
           </a:lstStyle>
           <a:p>
-            <a:fld id="{7C270AD8-24A9-4254-8E04-F01FD463B97E}" type="slidenum">
+            <a:fld id="{83371C9C-61B6-453E-A938-4CC0CC437C6E}" type="slidenum">
               <a:rPr lang="zh-CN" altLang="en-US" smtClean="0"/>
               <a:t>‹#›</a:t>
             </a:fld>
@@ -3003,7 +3003,7 @@
     </p:spTree>
     <p:extLst>
       <p:ext uri="{BB962C8B-B14F-4D97-AF65-F5344CB8AC3E}">
-        <p14:creationId xmlns:p14="http://schemas.microsoft.com/office/powerpoint/2010/main" val="2886827432"/>
+        <p14:creationId xmlns:p14="http://schemas.microsoft.com/office/powerpoint/2010/main" val="2631530546"/>
       </p:ext>
     </p:extLst>
   </p:cSld>
